--- a/reference/component-tree.pptx
+++ b/reference/component-tree.pptx
@@ -106,6 +106,11 @@
       </a:defRPr>
     </a:lvl9pPr>
   </p:defaultTextStyle>
+  <p:extLst>
+    <p:ext uri="{EFAFB233-063F-42B5-8137-9DF3F51BA10A}">
+      <p15:sldGuideLst xmlns:p15="http://schemas.microsoft.com/office/powerpoint/2012/main"/>
+    </p:ext>
+  </p:extLst>
 </p:presentation>
 </file>
 
@@ -256,7 +261,7 @@
           <a:p>
             <a:fld id="{D84EFF7C-D89A-4083-BBBA-FB78115C70B7}" type="datetimeFigureOut">
               <a:rPr lang="ko-KR" altLang="en-US" smtClean="0"/>
-              <a:t>2023-11-16</a:t>
+              <a:t>2023-11-17</a:t>
             </a:fld>
             <a:endParaRPr lang="ko-KR" altLang="en-US"/>
           </a:p>
@@ -454,7 +459,7 @@
           <a:p>
             <a:fld id="{D84EFF7C-D89A-4083-BBBA-FB78115C70B7}" type="datetimeFigureOut">
               <a:rPr lang="ko-KR" altLang="en-US" smtClean="0"/>
-              <a:t>2023-11-16</a:t>
+              <a:t>2023-11-17</a:t>
             </a:fld>
             <a:endParaRPr lang="ko-KR" altLang="en-US"/>
           </a:p>
@@ -662,7 +667,7 @@
           <a:p>
             <a:fld id="{D84EFF7C-D89A-4083-BBBA-FB78115C70B7}" type="datetimeFigureOut">
               <a:rPr lang="ko-KR" altLang="en-US" smtClean="0"/>
-              <a:t>2023-11-16</a:t>
+              <a:t>2023-11-17</a:t>
             </a:fld>
             <a:endParaRPr lang="ko-KR" altLang="en-US"/>
           </a:p>
@@ -860,7 +865,7 @@
           <a:p>
             <a:fld id="{D84EFF7C-D89A-4083-BBBA-FB78115C70B7}" type="datetimeFigureOut">
               <a:rPr lang="ko-KR" altLang="en-US" smtClean="0"/>
-              <a:t>2023-11-16</a:t>
+              <a:t>2023-11-17</a:t>
             </a:fld>
             <a:endParaRPr lang="ko-KR" altLang="en-US"/>
           </a:p>
@@ -1135,7 +1140,7 @@
           <a:p>
             <a:fld id="{D84EFF7C-D89A-4083-BBBA-FB78115C70B7}" type="datetimeFigureOut">
               <a:rPr lang="ko-KR" altLang="en-US" smtClean="0"/>
-              <a:t>2023-11-16</a:t>
+              <a:t>2023-11-17</a:t>
             </a:fld>
             <a:endParaRPr lang="ko-KR" altLang="en-US"/>
           </a:p>
@@ -1400,7 +1405,7 @@
           <a:p>
             <a:fld id="{D84EFF7C-D89A-4083-BBBA-FB78115C70B7}" type="datetimeFigureOut">
               <a:rPr lang="ko-KR" altLang="en-US" smtClean="0"/>
-              <a:t>2023-11-16</a:t>
+              <a:t>2023-11-17</a:t>
             </a:fld>
             <a:endParaRPr lang="ko-KR" altLang="en-US"/>
           </a:p>
@@ -1812,7 +1817,7 @@
           <a:p>
             <a:fld id="{D84EFF7C-D89A-4083-BBBA-FB78115C70B7}" type="datetimeFigureOut">
               <a:rPr lang="ko-KR" altLang="en-US" smtClean="0"/>
-              <a:t>2023-11-16</a:t>
+              <a:t>2023-11-17</a:t>
             </a:fld>
             <a:endParaRPr lang="ko-KR" altLang="en-US"/>
           </a:p>
@@ -1953,7 +1958,7 @@
           <a:p>
             <a:fld id="{D84EFF7C-D89A-4083-BBBA-FB78115C70B7}" type="datetimeFigureOut">
               <a:rPr lang="ko-KR" altLang="en-US" smtClean="0"/>
-              <a:t>2023-11-16</a:t>
+              <a:t>2023-11-17</a:t>
             </a:fld>
             <a:endParaRPr lang="ko-KR" altLang="en-US"/>
           </a:p>
@@ -2066,7 +2071,7 @@
           <a:p>
             <a:fld id="{D84EFF7C-D89A-4083-BBBA-FB78115C70B7}" type="datetimeFigureOut">
               <a:rPr lang="ko-KR" altLang="en-US" smtClean="0"/>
-              <a:t>2023-11-16</a:t>
+              <a:t>2023-11-17</a:t>
             </a:fld>
             <a:endParaRPr lang="ko-KR" altLang="en-US"/>
           </a:p>
@@ -2377,7 +2382,7 @@
           <a:p>
             <a:fld id="{D84EFF7C-D89A-4083-BBBA-FB78115C70B7}" type="datetimeFigureOut">
               <a:rPr lang="ko-KR" altLang="en-US" smtClean="0"/>
-              <a:t>2023-11-16</a:t>
+              <a:t>2023-11-17</a:t>
             </a:fld>
             <a:endParaRPr lang="ko-KR" altLang="en-US"/>
           </a:p>
@@ -2665,7 +2670,7 @@
           <a:p>
             <a:fld id="{D84EFF7C-D89A-4083-BBBA-FB78115C70B7}" type="datetimeFigureOut">
               <a:rPr lang="ko-KR" altLang="en-US" smtClean="0"/>
-              <a:t>2023-11-16</a:t>
+              <a:t>2023-11-17</a:t>
             </a:fld>
             <a:endParaRPr lang="ko-KR" altLang="en-US"/>
           </a:p>
@@ -2906,7 +2911,7 @@
           <a:p>
             <a:fld id="{D84EFF7C-D89A-4083-BBBA-FB78115C70B7}" type="datetimeFigureOut">
               <a:rPr lang="ko-KR" altLang="en-US" smtClean="0"/>
-              <a:t>2023-11-16</a:t>
+              <a:t>2023-11-17</a:t>
             </a:fld>
             <a:endParaRPr lang="ko-KR" altLang="en-US"/>
           </a:p>
@@ -3343,6 +3348,14 @@
           <a:prstGeom prst="roundRect">
             <a:avLst/>
           </a:prstGeom>
+          <a:solidFill>
+            <a:schemeClr val="bg1"/>
+          </a:solidFill>
+          <a:ln w="9525">
+            <a:solidFill>
+              <a:schemeClr val="tx1"/>
+            </a:solidFill>
+          </a:ln>
         </p:spPr>
         <p:style>
           <a:lnRef idx="2">
@@ -3366,10 +3379,18 @@
           <a:p>
             <a:pPr algn="ctr"/>
             <a:r>
-              <a:rPr lang="en-US" altLang="ko-KR" sz="1400" dirty="0"/>
+              <a:rPr lang="en-US" altLang="ko-KR" sz="1400" dirty="0">
+                <a:solidFill>
+                  <a:schemeClr val="tx1"/>
+                </a:solidFill>
+              </a:rPr>
               <a:t>App</a:t>
             </a:r>
-            <a:endParaRPr lang="ko-KR" altLang="en-US" sz="1400" dirty="0"/>
+            <a:endParaRPr lang="ko-KR" altLang="en-US" sz="1400" dirty="0">
+              <a:solidFill>
+                <a:schemeClr val="tx1"/>
+              </a:solidFill>
+            </a:endParaRPr>
           </a:p>
         </p:txBody>
       </p:sp>
@@ -3393,6 +3414,14 @@
           <a:prstGeom prst="roundRect">
             <a:avLst/>
           </a:prstGeom>
+          <a:solidFill>
+            <a:schemeClr val="bg1"/>
+          </a:solidFill>
+          <a:ln w="9525">
+            <a:solidFill>
+              <a:schemeClr val="tx1"/>
+            </a:solidFill>
+          </a:ln>
         </p:spPr>
         <p:style>
           <a:lnRef idx="2">
@@ -3416,10 +3445,18 @@
           <a:p>
             <a:pPr algn="ctr"/>
             <a:r>
-              <a:rPr lang="en-US" altLang="ko-KR" sz="1400" dirty="0"/>
+              <a:rPr lang="en-US" altLang="ko-KR" sz="1400" dirty="0">
+                <a:solidFill>
+                  <a:schemeClr val="tx1"/>
+                </a:solidFill>
+              </a:rPr>
               <a:t>router-view</a:t>
             </a:r>
-            <a:endParaRPr lang="ko-KR" altLang="en-US" sz="1400" dirty="0"/>
+            <a:endParaRPr lang="ko-KR" altLang="en-US" sz="1400" dirty="0">
+              <a:solidFill>
+                <a:schemeClr val="tx1"/>
+              </a:solidFill>
+            </a:endParaRPr>
           </a:p>
         </p:txBody>
       </p:sp>
@@ -3443,6 +3480,14 @@
           <a:prstGeom prst="roundRect">
             <a:avLst/>
           </a:prstGeom>
+          <a:solidFill>
+            <a:schemeClr val="bg1"/>
+          </a:solidFill>
+          <a:ln w="9525">
+            <a:solidFill>
+              <a:schemeClr val="tx1"/>
+            </a:solidFill>
+          </a:ln>
         </p:spPr>
         <p:style>
           <a:lnRef idx="2">
@@ -3466,10 +3511,18 @@
           <a:p>
             <a:pPr algn="ctr"/>
             <a:r>
-              <a:rPr lang="en-US" altLang="ko-KR" sz="1400" dirty="0"/>
+              <a:rPr lang="en-US" altLang="ko-KR" sz="1400" dirty="0">
+                <a:solidFill>
+                  <a:schemeClr val="tx1"/>
+                </a:solidFill>
+              </a:rPr>
               <a:t>router-link</a:t>
             </a:r>
-            <a:endParaRPr lang="ko-KR" altLang="en-US" sz="1400" dirty="0"/>
+            <a:endParaRPr lang="ko-KR" altLang="en-US" sz="1400" dirty="0">
+              <a:solidFill>
+                <a:schemeClr val="tx1"/>
+              </a:solidFill>
+            </a:endParaRPr>
           </a:p>
         </p:txBody>
       </p:sp>
@@ -3493,6 +3546,14 @@
           <a:prstGeom prst="roundRect">
             <a:avLst/>
           </a:prstGeom>
+          <a:solidFill>
+            <a:schemeClr val="bg1"/>
+          </a:solidFill>
+          <a:ln w="9525">
+            <a:solidFill>
+              <a:schemeClr val="tx1"/>
+            </a:solidFill>
+          </a:ln>
         </p:spPr>
         <p:style>
           <a:lnRef idx="2">
@@ -3516,10 +3577,18 @@
           <a:p>
             <a:pPr algn="ctr"/>
             <a:r>
-              <a:rPr lang="en-US" altLang="ko-KR" sz="1400" dirty="0" err="1"/>
+              <a:rPr lang="en-US" altLang="ko-KR" sz="1400" dirty="0" err="1">
+                <a:solidFill>
+                  <a:schemeClr val="tx1"/>
+                </a:solidFill>
+              </a:rPr>
               <a:t>MovieDetailView</a:t>
             </a:r>
-            <a:endParaRPr lang="ko-KR" altLang="en-US" sz="1400" dirty="0"/>
+            <a:endParaRPr lang="ko-KR" altLang="en-US" sz="1400" dirty="0">
+              <a:solidFill>
+                <a:schemeClr val="tx1"/>
+              </a:solidFill>
+            </a:endParaRPr>
           </a:p>
         </p:txBody>
       </p:sp>
@@ -3543,6 +3612,14 @@
           <a:prstGeom prst="roundRect">
             <a:avLst/>
           </a:prstGeom>
+          <a:solidFill>
+            <a:schemeClr val="bg1"/>
+          </a:solidFill>
+          <a:ln w="9525">
+            <a:solidFill>
+              <a:schemeClr val="tx1"/>
+            </a:solidFill>
+          </a:ln>
         </p:spPr>
         <p:style>
           <a:lnRef idx="2">
@@ -3566,10 +3643,18 @@
           <a:p>
             <a:pPr algn="ctr"/>
             <a:r>
-              <a:rPr lang="en-US" altLang="ko-KR" sz="1400" dirty="0" err="1"/>
+              <a:rPr lang="en-US" altLang="ko-KR" sz="1400" dirty="0" err="1">
+                <a:solidFill>
+                  <a:schemeClr val="tx1"/>
+                </a:solidFill>
+              </a:rPr>
               <a:t>MoviesView</a:t>
             </a:r>
-            <a:endParaRPr lang="ko-KR" altLang="en-US" sz="1400" dirty="0"/>
+            <a:endParaRPr lang="ko-KR" altLang="en-US" sz="1400" dirty="0">
+              <a:solidFill>
+                <a:schemeClr val="tx1"/>
+              </a:solidFill>
+            </a:endParaRPr>
           </a:p>
         </p:txBody>
       </p:sp>
@@ -3593,6 +3678,14 @@
           <a:prstGeom prst="roundRect">
             <a:avLst/>
           </a:prstGeom>
+          <a:solidFill>
+            <a:schemeClr val="bg1"/>
+          </a:solidFill>
+          <a:ln w="9525">
+            <a:solidFill>
+              <a:schemeClr val="tx1"/>
+            </a:solidFill>
+          </a:ln>
         </p:spPr>
         <p:style>
           <a:lnRef idx="2">
@@ -3616,10 +3709,18 @@
           <a:p>
             <a:pPr algn="ctr"/>
             <a:r>
-              <a:rPr lang="en-US" altLang="ko-KR" sz="1400" dirty="0" err="1"/>
+              <a:rPr lang="en-US" altLang="ko-KR" sz="1400" dirty="0" err="1">
+                <a:solidFill>
+                  <a:schemeClr val="tx1"/>
+                </a:solidFill>
+              </a:rPr>
               <a:t>HomeView</a:t>
             </a:r>
-            <a:endParaRPr lang="ko-KR" altLang="en-US" sz="1400" dirty="0"/>
+            <a:endParaRPr lang="ko-KR" altLang="en-US" sz="1400" dirty="0">
+              <a:solidFill>
+                <a:schemeClr val="tx1"/>
+              </a:solidFill>
+            </a:endParaRPr>
           </a:p>
         </p:txBody>
       </p:sp>
@@ -3678,6 +3779,9 @@
             <a:chOff x="4990053" y="3088373"/>
             <a:chExt cx="1777068" cy="796953"/>
           </a:xfrm>
+          <a:solidFill>
+            <a:schemeClr val="bg1"/>
+          </a:solidFill>
         </p:grpSpPr>
         <p:sp>
           <p:nvSpPr>
@@ -3699,6 +3803,12 @@
             <a:prstGeom prst="roundRect">
               <a:avLst/>
             </a:prstGeom>
+            <a:grpFill/>
+            <a:ln w="9525">
+              <a:solidFill>
+                <a:schemeClr val="tx1"/>
+              </a:solidFill>
+            </a:ln>
           </p:spPr>
           <p:style>
             <a:lnRef idx="2">
@@ -3721,7 +3831,11 @@
             <a:lstStyle/>
             <a:p>
               <a:pPr algn="ctr"/>
-              <a:endParaRPr lang="ko-KR" altLang="en-US" sz="1400" dirty="0"/>
+              <a:endParaRPr lang="ko-KR" altLang="en-US" sz="1400" dirty="0">
+                <a:solidFill>
+                  <a:schemeClr val="tx1"/>
+                </a:solidFill>
+              </a:endParaRPr>
             </a:p>
           </p:txBody>
         </p:sp>
@@ -3745,6 +3859,12 @@
             <a:prstGeom prst="roundRect">
               <a:avLst/>
             </a:prstGeom>
+            <a:grpFill/>
+            <a:ln w="9525">
+              <a:solidFill>
+                <a:schemeClr val="tx1"/>
+              </a:solidFill>
+            </a:ln>
           </p:spPr>
           <p:style>
             <a:lnRef idx="2">
@@ -3767,7 +3887,11 @@
             <a:lstStyle/>
             <a:p>
               <a:pPr algn="ctr"/>
-              <a:endParaRPr lang="ko-KR" altLang="en-US" sz="1400" dirty="0"/>
+              <a:endParaRPr lang="ko-KR" altLang="en-US" sz="1400" dirty="0">
+                <a:solidFill>
+                  <a:schemeClr val="tx1"/>
+                </a:solidFill>
+              </a:endParaRPr>
             </a:p>
           </p:txBody>
         </p:sp>
@@ -3791,6 +3915,12 @@
             <a:prstGeom prst="roundRect">
               <a:avLst/>
             </a:prstGeom>
+            <a:grpFill/>
+            <a:ln w="9525">
+              <a:solidFill>
+                <a:schemeClr val="tx1"/>
+              </a:solidFill>
+            </a:ln>
           </p:spPr>
           <p:style>
             <a:lnRef idx="2">
@@ -3814,10 +3944,18 @@
             <a:p>
               <a:pPr algn="ctr"/>
               <a:r>
-                <a:rPr lang="en-US" altLang="ko-KR" sz="1400" dirty="0" err="1"/>
+                <a:rPr lang="en-US" altLang="ko-KR" sz="1400" dirty="0" err="1">
+                  <a:solidFill>
+                    <a:schemeClr val="tx1"/>
+                  </a:solidFill>
+                </a:rPr>
                 <a:t>MoviesCard</a:t>
               </a:r>
-              <a:endParaRPr lang="ko-KR" altLang="en-US" sz="1400" dirty="0"/>
+              <a:endParaRPr lang="ko-KR" altLang="en-US" sz="1400" dirty="0">
+                <a:solidFill>
+                  <a:schemeClr val="tx1"/>
+                </a:solidFill>
+              </a:endParaRPr>
             </a:p>
           </p:txBody>
         </p:sp>
@@ -3841,6 +3979,9 @@
             <a:chOff x="4990053" y="3088373"/>
             <a:chExt cx="1777068" cy="796953"/>
           </a:xfrm>
+          <a:solidFill>
+            <a:schemeClr val="bg1"/>
+          </a:solidFill>
         </p:grpSpPr>
         <p:sp>
           <p:nvSpPr>
@@ -3862,6 +4003,12 @@
             <a:prstGeom prst="roundRect">
               <a:avLst/>
             </a:prstGeom>
+            <a:grpFill/>
+            <a:ln w="9525">
+              <a:solidFill>
+                <a:schemeClr val="tx1"/>
+              </a:solidFill>
+            </a:ln>
           </p:spPr>
           <p:style>
             <a:lnRef idx="2">
@@ -3884,7 +4031,11 @@
             <a:lstStyle/>
             <a:p>
               <a:pPr algn="ctr"/>
-              <a:endParaRPr lang="ko-KR" altLang="en-US" sz="1400" dirty="0"/>
+              <a:endParaRPr lang="ko-KR" altLang="en-US" sz="1400" dirty="0">
+                <a:solidFill>
+                  <a:schemeClr val="tx1"/>
+                </a:solidFill>
+              </a:endParaRPr>
             </a:p>
           </p:txBody>
         </p:sp>
@@ -3908,6 +4059,12 @@
             <a:prstGeom prst="roundRect">
               <a:avLst/>
             </a:prstGeom>
+            <a:grpFill/>
+            <a:ln w="9525">
+              <a:solidFill>
+                <a:schemeClr val="tx1"/>
+              </a:solidFill>
+            </a:ln>
           </p:spPr>
           <p:style>
             <a:lnRef idx="2">
@@ -3930,7 +4087,11 @@
             <a:lstStyle/>
             <a:p>
               <a:pPr algn="ctr"/>
-              <a:endParaRPr lang="ko-KR" altLang="en-US" sz="1400" dirty="0"/>
+              <a:endParaRPr lang="ko-KR" altLang="en-US" sz="1400" dirty="0">
+                <a:solidFill>
+                  <a:schemeClr val="tx1"/>
+                </a:solidFill>
+              </a:endParaRPr>
             </a:p>
           </p:txBody>
         </p:sp>
@@ -3954,6 +4115,12 @@
             <a:prstGeom prst="roundRect">
               <a:avLst/>
             </a:prstGeom>
+            <a:grpFill/>
+            <a:ln w="9525">
+              <a:solidFill>
+                <a:schemeClr val="tx1"/>
+              </a:solidFill>
+            </a:ln>
           </p:spPr>
           <p:style>
             <a:lnRef idx="2">
@@ -3977,10 +4144,18 @@
             <a:p>
               <a:pPr algn="ctr"/>
               <a:r>
-                <a:rPr lang="en-US" altLang="ko-KR" sz="1400" dirty="0"/>
+                <a:rPr lang="en-US" altLang="ko-KR" sz="1400" dirty="0">
+                  <a:solidFill>
+                    <a:schemeClr val="tx1"/>
+                  </a:solidFill>
+                </a:rPr>
                 <a:t>Collection</a:t>
               </a:r>
-              <a:endParaRPr lang="ko-KR" altLang="en-US" sz="1400" dirty="0"/>
+              <a:endParaRPr lang="ko-KR" altLang="en-US" sz="1400" dirty="0">
+                <a:solidFill>
+                  <a:schemeClr val="tx1"/>
+                </a:solidFill>
+              </a:endParaRPr>
             </a:p>
           </p:txBody>
         </p:sp>
@@ -3999,12 +4174,20 @@
         </p:nvSpPr>
         <p:spPr>
           <a:xfrm>
-            <a:off x="8683920" y="3801349"/>
+            <a:off x="8509351" y="3801349"/>
             <a:ext cx="1624668" cy="645952"/>
           </a:xfrm>
           <a:prstGeom prst="roundRect">
             <a:avLst/>
           </a:prstGeom>
+          <a:solidFill>
+            <a:schemeClr val="bg1"/>
+          </a:solidFill>
+          <a:ln w="9525">
+            <a:solidFill>
+              <a:schemeClr val="tx1"/>
+            </a:solidFill>
+          </a:ln>
         </p:spPr>
         <p:style>
           <a:lnRef idx="2">
@@ -4028,10 +4211,84 @@
           <a:p>
             <a:pPr algn="ctr"/>
             <a:r>
-              <a:rPr lang="en-US" altLang="ko-KR" sz="1400" dirty="0"/>
+              <a:rPr lang="en-US" altLang="ko-KR" sz="1400" dirty="0">
+                <a:solidFill>
+                  <a:schemeClr val="tx1"/>
+                </a:solidFill>
+              </a:rPr>
               <a:t>Articles</a:t>
             </a:r>
-            <a:endParaRPr lang="ko-KR" altLang="en-US" sz="1400" dirty="0"/>
+            <a:endParaRPr lang="ko-KR" altLang="en-US" sz="1400" dirty="0">
+              <a:solidFill>
+                <a:schemeClr val="tx1"/>
+              </a:solidFill>
+            </a:endParaRPr>
+          </a:p>
+        </p:txBody>
+      </p:sp>
+      <p:sp>
+        <p:nvSpPr>
+          <p:cNvPr id="18" name="사각형: 둥근 모서리 27">
+            <a:extLst>
+              <a:ext uri="{FF2B5EF4-FFF2-40B4-BE49-F238E27FC236}">
+                <a16:creationId xmlns:a16="http://schemas.microsoft.com/office/drawing/2014/main" id="{122A81FF-58F6-4DF3-AC57-E78FF2823754}"/>
+              </a:ext>
+            </a:extLst>
+          </p:cNvPr>
+          <p:cNvSpPr/>
+          <p:nvPr/>
+        </p:nvSpPr>
+        <p:spPr>
+          <a:xfrm>
+            <a:off x="10392763" y="3801349"/>
+            <a:ext cx="1624668" cy="645952"/>
+          </a:xfrm>
+          <a:prstGeom prst="roundRect">
+            <a:avLst/>
+          </a:prstGeom>
+          <a:solidFill>
+            <a:schemeClr val="bg1"/>
+          </a:solidFill>
+          <a:ln w="9525">
+            <a:solidFill>
+              <a:schemeClr val="tx1"/>
+            </a:solidFill>
+          </a:ln>
+        </p:spPr>
+        <p:style>
+          <a:lnRef idx="2">
+            <a:schemeClr val="accent1">
+              <a:shade val="50000"/>
+            </a:schemeClr>
+          </a:lnRef>
+          <a:fillRef idx="1">
+            <a:schemeClr val="accent1"/>
+          </a:fillRef>
+          <a:effectRef idx="0">
+            <a:schemeClr val="accent1"/>
+          </a:effectRef>
+          <a:fontRef idx="minor">
+            <a:schemeClr val="lt1"/>
+          </a:fontRef>
+        </p:style>
+        <p:txBody>
+          <a:bodyPr rtlCol="0" anchor="ctr"/>
+          <a:lstStyle/>
+          <a:p>
+            <a:pPr algn="ctr"/>
+            <a:r>
+              <a:rPr lang="en-US" altLang="ko-KR" sz="1400" dirty="0" err="1" smtClean="0">
+                <a:solidFill>
+                  <a:schemeClr val="tx1"/>
+                </a:solidFill>
+              </a:rPr>
+              <a:t>VideoTrailer</a:t>
+            </a:r>
+            <a:endParaRPr lang="ko-KR" altLang="en-US" sz="1400" dirty="0">
+              <a:solidFill>
+                <a:schemeClr val="tx1"/>
+              </a:solidFill>
+            </a:endParaRPr>
           </a:p>
         </p:txBody>
       </p:sp>
@@ -4085,6 +4342,14 @@
           <a:prstGeom prst="roundRect">
             <a:avLst/>
           </a:prstGeom>
+          <a:solidFill>
+            <a:schemeClr val="bg1"/>
+          </a:solidFill>
+          <a:ln w="9525">
+            <a:solidFill>
+              <a:schemeClr val="tx1"/>
+            </a:solidFill>
+          </a:ln>
         </p:spPr>
         <p:style>
           <a:lnRef idx="2">
@@ -4108,10 +4373,18 @@
           <a:p>
             <a:pPr algn="ctr"/>
             <a:r>
-              <a:rPr lang="en-US" altLang="ko-KR" sz="1400" dirty="0"/>
+              <a:rPr lang="en-US" altLang="ko-KR" sz="1400" dirty="0">
+                <a:solidFill>
+                  <a:schemeClr val="tx1"/>
+                </a:solidFill>
+              </a:rPr>
               <a:t>App</a:t>
             </a:r>
-            <a:endParaRPr lang="ko-KR" altLang="en-US" sz="1400" dirty="0"/>
+            <a:endParaRPr lang="ko-KR" altLang="en-US" sz="1400" dirty="0">
+              <a:solidFill>
+                <a:schemeClr val="tx1"/>
+              </a:solidFill>
+            </a:endParaRPr>
           </a:p>
         </p:txBody>
       </p:sp>
@@ -4135,6 +4408,14 @@
           <a:prstGeom prst="roundRect">
             <a:avLst/>
           </a:prstGeom>
+          <a:solidFill>
+            <a:schemeClr val="bg1"/>
+          </a:solidFill>
+          <a:ln w="9525">
+            <a:solidFill>
+              <a:schemeClr val="tx1"/>
+            </a:solidFill>
+          </a:ln>
         </p:spPr>
         <p:style>
           <a:lnRef idx="2">
@@ -4158,10 +4439,18 @@
           <a:p>
             <a:pPr algn="ctr"/>
             <a:r>
-              <a:rPr lang="en-US" altLang="ko-KR" sz="1400" dirty="0"/>
+              <a:rPr lang="en-US" altLang="ko-KR" sz="1400" dirty="0">
+                <a:solidFill>
+                  <a:schemeClr val="tx1"/>
+                </a:solidFill>
+              </a:rPr>
               <a:t>router-view</a:t>
             </a:r>
-            <a:endParaRPr lang="ko-KR" altLang="en-US" sz="1400" dirty="0"/>
+            <a:endParaRPr lang="ko-KR" altLang="en-US" sz="1400" dirty="0">
+              <a:solidFill>
+                <a:schemeClr val="tx1"/>
+              </a:solidFill>
+            </a:endParaRPr>
           </a:p>
         </p:txBody>
       </p:sp>
@@ -4185,6 +4474,14 @@
           <a:prstGeom prst="roundRect">
             <a:avLst/>
           </a:prstGeom>
+          <a:solidFill>
+            <a:schemeClr val="bg1"/>
+          </a:solidFill>
+          <a:ln w="9525">
+            <a:solidFill>
+              <a:schemeClr val="tx1"/>
+            </a:solidFill>
+          </a:ln>
         </p:spPr>
         <p:style>
           <a:lnRef idx="2">
@@ -4208,10 +4505,18 @@
           <a:p>
             <a:pPr algn="ctr"/>
             <a:r>
-              <a:rPr lang="en-US" altLang="ko-KR" sz="1400" dirty="0"/>
+              <a:rPr lang="en-US" altLang="ko-KR" sz="1400" dirty="0">
+                <a:solidFill>
+                  <a:schemeClr val="tx1"/>
+                </a:solidFill>
+              </a:rPr>
               <a:t>router-link</a:t>
             </a:r>
-            <a:endParaRPr lang="ko-KR" altLang="en-US" sz="1400" dirty="0"/>
+            <a:endParaRPr lang="ko-KR" altLang="en-US" sz="1400" dirty="0">
+              <a:solidFill>
+                <a:schemeClr val="tx1"/>
+              </a:solidFill>
+            </a:endParaRPr>
           </a:p>
         </p:txBody>
       </p:sp>
@@ -4235,6 +4540,14 @@
           <a:prstGeom prst="roundRect">
             <a:avLst/>
           </a:prstGeom>
+          <a:solidFill>
+            <a:schemeClr val="bg1"/>
+          </a:solidFill>
+          <a:ln w="9525">
+            <a:solidFill>
+              <a:schemeClr val="tx1"/>
+            </a:solidFill>
+          </a:ln>
         </p:spPr>
         <p:style>
           <a:lnRef idx="2">
@@ -4258,10 +4571,18 @@
           <a:p>
             <a:pPr algn="ctr"/>
             <a:r>
-              <a:rPr lang="en-US" altLang="ko-KR" sz="1400" dirty="0" err="1"/>
+              <a:rPr lang="en-US" altLang="ko-KR" sz="1400" dirty="0" err="1">
+                <a:solidFill>
+                  <a:schemeClr val="tx1"/>
+                </a:solidFill>
+              </a:rPr>
               <a:t>CommunityDetailView</a:t>
             </a:r>
-            <a:endParaRPr lang="ko-KR" altLang="en-US" sz="1400" dirty="0"/>
+            <a:endParaRPr lang="ko-KR" altLang="en-US" sz="1400" dirty="0">
+              <a:solidFill>
+                <a:schemeClr val="tx1"/>
+              </a:solidFill>
+            </a:endParaRPr>
           </a:p>
         </p:txBody>
       </p:sp>
@@ -4285,6 +4606,14 @@
           <a:prstGeom prst="roundRect">
             <a:avLst/>
           </a:prstGeom>
+          <a:solidFill>
+            <a:schemeClr val="bg1"/>
+          </a:solidFill>
+          <a:ln w="9525">
+            <a:solidFill>
+              <a:schemeClr val="tx1"/>
+            </a:solidFill>
+          </a:ln>
         </p:spPr>
         <p:style>
           <a:lnRef idx="2">
@@ -4308,10 +4637,18 @@
           <a:p>
             <a:pPr algn="ctr"/>
             <a:r>
-              <a:rPr lang="en-US" altLang="ko-KR" sz="1400" dirty="0" err="1"/>
+              <a:rPr lang="en-US" altLang="ko-KR" sz="1400" dirty="0" err="1">
+                <a:solidFill>
+                  <a:schemeClr val="tx1"/>
+                </a:solidFill>
+              </a:rPr>
               <a:t>CommunityView</a:t>
             </a:r>
-            <a:endParaRPr lang="ko-KR" altLang="en-US" sz="1400" dirty="0"/>
+            <a:endParaRPr lang="ko-KR" altLang="en-US" sz="1400" dirty="0">
+              <a:solidFill>
+                <a:schemeClr val="tx1"/>
+              </a:solidFill>
+            </a:endParaRPr>
           </a:p>
         </p:txBody>
       </p:sp>
@@ -4335,6 +4672,14 @@
           <a:prstGeom prst="roundRect">
             <a:avLst/>
           </a:prstGeom>
+          <a:solidFill>
+            <a:schemeClr val="bg1"/>
+          </a:solidFill>
+          <a:ln w="9525">
+            <a:solidFill>
+              <a:schemeClr val="tx1"/>
+            </a:solidFill>
+          </a:ln>
         </p:spPr>
         <p:style>
           <a:lnRef idx="2">
@@ -4358,10 +4703,18 @@
           <a:p>
             <a:pPr algn="ctr"/>
             <a:r>
-              <a:rPr lang="en-US" altLang="ko-KR" sz="1400" dirty="0" err="1"/>
+              <a:rPr lang="en-US" altLang="ko-KR" sz="1400" dirty="0" err="1">
+                <a:solidFill>
+                  <a:schemeClr val="tx1"/>
+                </a:solidFill>
+              </a:rPr>
               <a:t>CommunityCreateView</a:t>
             </a:r>
-            <a:endParaRPr lang="ko-KR" altLang="en-US" sz="1400" dirty="0"/>
+            <a:endParaRPr lang="ko-KR" altLang="en-US" sz="1400" dirty="0">
+              <a:solidFill>
+                <a:schemeClr val="tx1"/>
+              </a:solidFill>
+            </a:endParaRPr>
           </a:p>
         </p:txBody>
       </p:sp>
@@ -4385,6 +4738,14 @@
           <a:prstGeom prst="roundRect">
             <a:avLst/>
           </a:prstGeom>
+          <a:solidFill>
+            <a:schemeClr val="bg1"/>
+          </a:solidFill>
+          <a:ln w="9525">
+            <a:solidFill>
+              <a:schemeClr val="tx1"/>
+            </a:solidFill>
+          </a:ln>
         </p:spPr>
         <p:style>
           <a:lnRef idx="2">
@@ -4408,10 +4769,18 @@
           <a:p>
             <a:pPr algn="ctr"/>
             <a:r>
-              <a:rPr lang="en-US" altLang="ko-KR" sz="1400" dirty="0" err="1"/>
+              <a:rPr lang="en-US" altLang="ko-KR" sz="1400" dirty="0" err="1">
+                <a:solidFill>
+                  <a:schemeClr val="tx1"/>
+                </a:solidFill>
+              </a:rPr>
               <a:t>CommunityUpdateView</a:t>
             </a:r>
-            <a:endParaRPr lang="ko-KR" altLang="en-US" sz="1400" dirty="0"/>
+            <a:endParaRPr lang="ko-KR" altLang="en-US" sz="1400" dirty="0">
+              <a:solidFill>
+                <a:schemeClr val="tx1"/>
+              </a:solidFill>
+            </a:endParaRPr>
           </a:p>
         </p:txBody>
       </p:sp>
@@ -4471,6 +4840,14 @@
           <a:prstGeom prst="roundRect">
             <a:avLst/>
           </a:prstGeom>
+          <a:solidFill>
+            <a:schemeClr val="bg1"/>
+          </a:solidFill>
+          <a:ln w="9525">
+            <a:solidFill>
+              <a:schemeClr val="tx1"/>
+            </a:solidFill>
+          </a:ln>
         </p:spPr>
         <p:style>
           <a:lnRef idx="2">
@@ -4494,10 +4871,18 @@
           <a:p>
             <a:pPr algn="ctr"/>
             <a:r>
-              <a:rPr lang="en-US" altLang="ko-KR" sz="1400" dirty="0" err="1"/>
+              <a:rPr lang="en-US" altLang="ko-KR" sz="1400" dirty="0" err="1">
+                <a:solidFill>
+                  <a:schemeClr val="tx1"/>
+                </a:solidFill>
+              </a:rPr>
               <a:t>CommunityCategoryView</a:t>
             </a:r>
-            <a:endParaRPr lang="ko-KR" altLang="en-US" sz="1400" dirty="0"/>
+            <a:endParaRPr lang="ko-KR" altLang="en-US" sz="1400" dirty="0">
+              <a:solidFill>
+                <a:schemeClr val="tx1"/>
+              </a:solidFill>
+            </a:endParaRPr>
           </a:p>
         </p:txBody>
       </p:sp>
@@ -4521,6 +4906,14 @@
           <a:prstGeom prst="roundRect">
             <a:avLst/>
           </a:prstGeom>
+          <a:solidFill>
+            <a:schemeClr val="bg1"/>
+          </a:solidFill>
+          <a:ln w="9525">
+            <a:solidFill>
+              <a:schemeClr val="tx1"/>
+            </a:solidFill>
+          </a:ln>
         </p:spPr>
         <p:style>
           <a:lnRef idx="2">
@@ -4544,10 +4937,18 @@
           <a:p>
             <a:pPr algn="ctr"/>
             <a:r>
-              <a:rPr lang="en-US" altLang="ko-KR" sz="1400" dirty="0"/>
+              <a:rPr lang="en-US" altLang="ko-KR" sz="1400" dirty="0">
+                <a:solidFill>
+                  <a:schemeClr val="tx1"/>
+                </a:solidFill>
+              </a:rPr>
               <a:t>Articles</a:t>
             </a:r>
-            <a:endParaRPr lang="ko-KR" altLang="en-US" sz="1400" dirty="0"/>
+            <a:endParaRPr lang="ko-KR" altLang="en-US" sz="1400" dirty="0">
+              <a:solidFill>
+                <a:schemeClr val="tx1"/>
+              </a:solidFill>
+            </a:endParaRPr>
           </a:p>
         </p:txBody>
       </p:sp>
@@ -4570,6 +4971,9 @@
             <a:chOff x="4990053" y="3088373"/>
             <a:chExt cx="1777068" cy="796953"/>
           </a:xfrm>
+          <a:solidFill>
+            <a:schemeClr val="bg1"/>
+          </a:solidFill>
         </p:grpSpPr>
         <p:sp>
           <p:nvSpPr>
@@ -4591,6 +4995,12 @@
             <a:prstGeom prst="roundRect">
               <a:avLst/>
             </a:prstGeom>
+            <a:grpFill/>
+            <a:ln w="9525">
+              <a:solidFill>
+                <a:schemeClr val="tx1"/>
+              </a:solidFill>
+            </a:ln>
           </p:spPr>
           <p:style>
             <a:lnRef idx="2">
@@ -4613,7 +5023,11 @@
             <a:lstStyle/>
             <a:p>
               <a:pPr algn="ctr"/>
-              <a:endParaRPr lang="ko-KR" altLang="en-US" sz="1400" dirty="0"/>
+              <a:endParaRPr lang="ko-KR" altLang="en-US" sz="1400" dirty="0">
+                <a:solidFill>
+                  <a:schemeClr val="tx1"/>
+                </a:solidFill>
+              </a:endParaRPr>
             </a:p>
           </p:txBody>
         </p:sp>
@@ -4637,6 +5051,12 @@
             <a:prstGeom prst="roundRect">
               <a:avLst/>
             </a:prstGeom>
+            <a:grpFill/>
+            <a:ln w="9525">
+              <a:solidFill>
+                <a:schemeClr val="tx1"/>
+              </a:solidFill>
+            </a:ln>
           </p:spPr>
           <p:style>
             <a:lnRef idx="2">
@@ -4659,7 +5079,11 @@
             <a:lstStyle/>
             <a:p>
               <a:pPr algn="ctr"/>
-              <a:endParaRPr lang="ko-KR" altLang="en-US" sz="1400" dirty="0"/>
+              <a:endParaRPr lang="ko-KR" altLang="en-US" sz="1400" dirty="0">
+                <a:solidFill>
+                  <a:schemeClr val="tx1"/>
+                </a:solidFill>
+              </a:endParaRPr>
             </a:p>
           </p:txBody>
         </p:sp>
@@ -4683,6 +5107,12 @@
             <a:prstGeom prst="roundRect">
               <a:avLst/>
             </a:prstGeom>
+            <a:grpFill/>
+            <a:ln w="9525">
+              <a:solidFill>
+                <a:schemeClr val="tx1"/>
+              </a:solidFill>
+            </a:ln>
           </p:spPr>
           <p:style>
             <a:lnRef idx="2">
@@ -4706,10 +5136,18 @@
             <a:p>
               <a:pPr algn="ctr"/>
               <a:r>
-                <a:rPr lang="en-US" altLang="ko-KR" sz="1400" dirty="0"/>
+                <a:rPr lang="en-US" altLang="ko-KR" sz="1400" dirty="0">
+                  <a:solidFill>
+                    <a:schemeClr val="tx1"/>
+                  </a:solidFill>
+                </a:rPr>
                 <a:t>Comment</a:t>
               </a:r>
-              <a:endParaRPr lang="ko-KR" altLang="en-US" sz="1400" dirty="0"/>
+              <a:endParaRPr lang="ko-KR" altLang="en-US" sz="1400" dirty="0">
+                <a:solidFill>
+                  <a:schemeClr val="tx1"/>
+                </a:solidFill>
+              </a:endParaRPr>
             </a:p>
           </p:txBody>
         </p:sp>
@@ -4734,6 +5172,14 @@
           <a:prstGeom prst="roundRect">
             <a:avLst/>
           </a:prstGeom>
+          <a:solidFill>
+            <a:schemeClr val="bg1"/>
+          </a:solidFill>
+          <a:ln w="9525">
+            <a:solidFill>
+              <a:schemeClr val="tx1"/>
+            </a:solidFill>
+          </a:ln>
         </p:spPr>
         <p:style>
           <a:lnRef idx="2">
@@ -4757,10 +5203,18 @@
           <a:p>
             <a:pPr algn="ctr"/>
             <a:r>
-              <a:rPr lang="en-US" altLang="ko-KR" sz="1400" dirty="0"/>
+              <a:rPr lang="en-US" altLang="ko-KR" sz="1400" dirty="0">
+                <a:solidFill>
+                  <a:schemeClr val="tx1"/>
+                </a:solidFill>
+              </a:rPr>
               <a:t>Articles</a:t>
             </a:r>
-            <a:endParaRPr lang="ko-KR" altLang="en-US" sz="1400" dirty="0"/>
+            <a:endParaRPr lang="ko-KR" altLang="en-US" sz="1400" dirty="0">
+              <a:solidFill>
+                <a:schemeClr val="tx1"/>
+              </a:solidFill>
+            </a:endParaRPr>
           </a:p>
         </p:txBody>
       </p:sp>
@@ -4814,6 +5268,14 @@
           <a:prstGeom prst="roundRect">
             <a:avLst/>
           </a:prstGeom>
+          <a:solidFill>
+            <a:schemeClr val="bg1"/>
+          </a:solidFill>
+          <a:ln w="9525">
+            <a:solidFill>
+              <a:schemeClr val="tx1"/>
+            </a:solidFill>
+          </a:ln>
         </p:spPr>
         <p:style>
           <a:lnRef idx="2">
@@ -4837,10 +5299,18 @@
           <a:p>
             <a:pPr algn="ctr"/>
             <a:r>
-              <a:rPr lang="en-US" altLang="ko-KR" sz="1400" dirty="0"/>
+              <a:rPr lang="en-US" altLang="ko-KR" sz="1400" dirty="0">
+                <a:solidFill>
+                  <a:schemeClr val="tx1"/>
+                </a:solidFill>
+              </a:rPr>
               <a:t>App</a:t>
             </a:r>
-            <a:endParaRPr lang="ko-KR" altLang="en-US" sz="1400" dirty="0"/>
+            <a:endParaRPr lang="ko-KR" altLang="en-US" sz="1400" dirty="0">
+              <a:solidFill>
+                <a:schemeClr val="tx1"/>
+              </a:solidFill>
+            </a:endParaRPr>
           </a:p>
         </p:txBody>
       </p:sp>
@@ -4864,6 +5334,14 @@
           <a:prstGeom prst="roundRect">
             <a:avLst/>
           </a:prstGeom>
+          <a:solidFill>
+            <a:schemeClr val="bg1"/>
+          </a:solidFill>
+          <a:ln w="9525">
+            <a:solidFill>
+              <a:schemeClr val="tx1"/>
+            </a:solidFill>
+          </a:ln>
         </p:spPr>
         <p:style>
           <a:lnRef idx="2">
@@ -4887,10 +5365,18 @@
           <a:p>
             <a:pPr algn="ctr"/>
             <a:r>
-              <a:rPr lang="en-US" altLang="ko-KR" sz="1400" dirty="0"/>
+              <a:rPr lang="en-US" altLang="ko-KR" sz="1400" dirty="0">
+                <a:solidFill>
+                  <a:schemeClr val="tx1"/>
+                </a:solidFill>
+              </a:rPr>
               <a:t>router-view</a:t>
             </a:r>
-            <a:endParaRPr lang="ko-KR" altLang="en-US" sz="1400" dirty="0"/>
+            <a:endParaRPr lang="ko-KR" altLang="en-US" sz="1400" dirty="0">
+              <a:solidFill>
+                <a:schemeClr val="tx1"/>
+              </a:solidFill>
+            </a:endParaRPr>
           </a:p>
         </p:txBody>
       </p:sp>
@@ -4914,6 +5400,14 @@
           <a:prstGeom prst="roundRect">
             <a:avLst/>
           </a:prstGeom>
+          <a:solidFill>
+            <a:schemeClr val="bg1"/>
+          </a:solidFill>
+          <a:ln w="9525">
+            <a:solidFill>
+              <a:schemeClr val="tx1"/>
+            </a:solidFill>
+          </a:ln>
         </p:spPr>
         <p:style>
           <a:lnRef idx="2">
@@ -4937,10 +5431,18 @@
           <a:p>
             <a:pPr algn="ctr"/>
             <a:r>
-              <a:rPr lang="en-US" altLang="ko-KR" sz="1400" dirty="0"/>
+              <a:rPr lang="en-US" altLang="ko-KR" sz="1400" dirty="0">
+                <a:solidFill>
+                  <a:schemeClr val="tx1"/>
+                </a:solidFill>
+              </a:rPr>
               <a:t>router-link</a:t>
             </a:r>
-            <a:endParaRPr lang="ko-KR" altLang="en-US" sz="1400" dirty="0"/>
+            <a:endParaRPr lang="ko-KR" altLang="en-US" sz="1400" dirty="0">
+              <a:solidFill>
+                <a:schemeClr val="tx1"/>
+              </a:solidFill>
+            </a:endParaRPr>
           </a:p>
         </p:txBody>
       </p:sp>
@@ -4964,6 +5466,14 @@
           <a:prstGeom prst="roundRect">
             <a:avLst/>
           </a:prstGeom>
+          <a:solidFill>
+            <a:schemeClr val="bg1"/>
+          </a:solidFill>
+          <a:ln w="9525">
+            <a:solidFill>
+              <a:schemeClr val="tx1"/>
+            </a:solidFill>
+          </a:ln>
         </p:spPr>
         <p:style>
           <a:lnRef idx="2">
@@ -4987,10 +5497,18 @@
           <a:p>
             <a:pPr algn="ctr"/>
             <a:r>
-              <a:rPr lang="en-US" altLang="ko-KR" sz="1400" dirty="0" err="1"/>
+              <a:rPr lang="en-US" altLang="ko-KR" sz="1400" dirty="0" err="1">
+                <a:solidFill>
+                  <a:schemeClr val="tx1"/>
+                </a:solidFill>
+              </a:rPr>
               <a:t>ProfileView</a:t>
             </a:r>
-            <a:endParaRPr lang="ko-KR" altLang="en-US" sz="1400" dirty="0"/>
+            <a:endParaRPr lang="ko-KR" altLang="en-US" sz="1400" dirty="0">
+              <a:solidFill>
+                <a:schemeClr val="tx1"/>
+              </a:solidFill>
+            </a:endParaRPr>
           </a:p>
         </p:txBody>
       </p:sp>
@@ -5014,6 +5532,14 @@
           <a:prstGeom prst="roundRect">
             <a:avLst/>
           </a:prstGeom>
+          <a:solidFill>
+            <a:schemeClr val="bg1"/>
+          </a:solidFill>
+          <a:ln w="9525">
+            <a:solidFill>
+              <a:schemeClr val="tx1"/>
+            </a:solidFill>
+          </a:ln>
         </p:spPr>
         <p:style>
           <a:lnRef idx="2">
@@ -5037,10 +5563,18 @@
           <a:p>
             <a:pPr algn="ctr"/>
             <a:r>
-              <a:rPr lang="en-US" altLang="ko-KR" sz="1400" dirty="0" err="1"/>
+              <a:rPr lang="en-US" altLang="ko-KR" sz="1400" dirty="0" err="1">
+                <a:solidFill>
+                  <a:schemeClr val="tx1"/>
+                </a:solidFill>
+              </a:rPr>
               <a:t>SignupView</a:t>
             </a:r>
-            <a:endParaRPr lang="ko-KR" altLang="en-US" sz="1400" dirty="0"/>
+            <a:endParaRPr lang="ko-KR" altLang="en-US" sz="1400" dirty="0">
+              <a:solidFill>
+                <a:schemeClr val="tx1"/>
+              </a:solidFill>
+            </a:endParaRPr>
           </a:p>
         </p:txBody>
       </p:sp>
@@ -5064,6 +5598,14 @@
           <a:prstGeom prst="roundRect">
             <a:avLst/>
           </a:prstGeom>
+          <a:solidFill>
+            <a:schemeClr val="bg1"/>
+          </a:solidFill>
+          <a:ln w="9525">
+            <a:solidFill>
+              <a:schemeClr val="tx1"/>
+            </a:solidFill>
+          </a:ln>
         </p:spPr>
         <p:style>
           <a:lnRef idx="2">
@@ -5087,10 +5629,18 @@
           <a:p>
             <a:pPr algn="ctr"/>
             <a:r>
-              <a:rPr lang="en-US" altLang="ko-KR" sz="1400" dirty="0" err="1"/>
+              <a:rPr lang="en-US" altLang="ko-KR" sz="1400" dirty="0" err="1">
+                <a:solidFill>
+                  <a:schemeClr val="tx1"/>
+                </a:solidFill>
+              </a:rPr>
               <a:t>ProfileUpdateView</a:t>
             </a:r>
-            <a:endParaRPr lang="ko-KR" altLang="en-US" sz="1400" dirty="0"/>
+            <a:endParaRPr lang="ko-KR" altLang="en-US" sz="1400" dirty="0">
+              <a:solidFill>
+                <a:schemeClr val="tx1"/>
+              </a:solidFill>
+            </a:endParaRPr>
           </a:p>
         </p:txBody>
       </p:sp>
@@ -5114,6 +5664,14 @@
           <a:prstGeom prst="roundRect">
             <a:avLst/>
           </a:prstGeom>
+          <a:solidFill>
+            <a:schemeClr val="bg1"/>
+          </a:solidFill>
+          <a:ln w="9525">
+            <a:solidFill>
+              <a:schemeClr val="tx1"/>
+            </a:solidFill>
+          </a:ln>
         </p:spPr>
         <p:style>
           <a:lnRef idx="2">
@@ -5137,10 +5695,18 @@
           <a:p>
             <a:pPr algn="ctr"/>
             <a:r>
-              <a:rPr lang="en-US" altLang="ko-KR" sz="1400" dirty="0" err="1"/>
+              <a:rPr lang="en-US" altLang="ko-KR" sz="1400" dirty="0" err="1">
+                <a:solidFill>
+                  <a:schemeClr val="tx1"/>
+                </a:solidFill>
+              </a:rPr>
               <a:t>PasswordChangeView</a:t>
             </a:r>
-            <a:endParaRPr lang="ko-KR" altLang="en-US" sz="1400" dirty="0"/>
+            <a:endParaRPr lang="ko-KR" altLang="en-US" sz="1400" dirty="0">
+              <a:solidFill>
+                <a:schemeClr val="tx1"/>
+              </a:solidFill>
+            </a:endParaRPr>
           </a:p>
         </p:txBody>
       </p:sp>
@@ -5164,6 +5730,14 @@
           <a:prstGeom prst="roundRect">
             <a:avLst/>
           </a:prstGeom>
+          <a:solidFill>
+            <a:schemeClr val="bg1"/>
+          </a:solidFill>
+          <a:ln w="9525">
+            <a:solidFill>
+              <a:schemeClr val="tx1"/>
+            </a:solidFill>
+          </a:ln>
         </p:spPr>
         <p:style>
           <a:lnRef idx="2">
@@ -5187,10 +5761,18 @@
           <a:p>
             <a:pPr algn="ctr"/>
             <a:r>
-              <a:rPr lang="en-US" altLang="ko-KR" sz="1400" dirty="0"/>
+              <a:rPr lang="en-US" altLang="ko-KR" sz="1400" dirty="0">
+                <a:solidFill>
+                  <a:schemeClr val="tx1"/>
+                </a:solidFill>
+              </a:rPr>
               <a:t>Login</a:t>
             </a:r>
-            <a:endParaRPr lang="ko-KR" altLang="en-US" sz="1400" dirty="0"/>
+            <a:endParaRPr lang="ko-KR" altLang="en-US" sz="1400" dirty="0">
+              <a:solidFill>
+                <a:schemeClr val="tx1"/>
+              </a:solidFill>
+            </a:endParaRPr>
           </a:p>
         </p:txBody>
       </p:sp>
@@ -5250,6 +5832,14 @@
           <a:prstGeom prst="roundRect">
             <a:avLst/>
           </a:prstGeom>
+          <a:solidFill>
+            <a:schemeClr val="bg1"/>
+          </a:solidFill>
+          <a:ln w="9525">
+            <a:solidFill>
+              <a:schemeClr val="tx1"/>
+            </a:solidFill>
+          </a:ln>
         </p:spPr>
         <p:style>
           <a:lnRef idx="2">
@@ -5273,10 +5863,18 @@
           <a:p>
             <a:pPr algn="ctr"/>
             <a:r>
-              <a:rPr lang="en-US" altLang="ko-KR" sz="1400" dirty="0"/>
+              <a:rPr lang="en-US" altLang="ko-KR" sz="1400" dirty="0">
+                <a:solidFill>
+                  <a:schemeClr val="tx1"/>
+                </a:solidFill>
+              </a:rPr>
               <a:t>Blog</a:t>
             </a:r>
-            <a:endParaRPr lang="ko-KR" altLang="en-US" sz="1400" dirty="0"/>
+            <a:endParaRPr lang="ko-KR" altLang="en-US" sz="1400" dirty="0">
+              <a:solidFill>
+                <a:schemeClr val="tx1"/>
+              </a:solidFill>
+            </a:endParaRPr>
           </a:p>
         </p:txBody>
       </p:sp>
@@ -5299,6 +5897,9 @@
             <a:chOff x="4990053" y="3088373"/>
             <a:chExt cx="1777068" cy="796953"/>
           </a:xfrm>
+          <a:solidFill>
+            <a:schemeClr val="bg1"/>
+          </a:solidFill>
         </p:grpSpPr>
         <p:sp>
           <p:nvSpPr>
@@ -5320,6 +5921,12 @@
             <a:prstGeom prst="roundRect">
               <a:avLst/>
             </a:prstGeom>
+            <a:grpFill/>
+            <a:ln w="9525">
+              <a:solidFill>
+                <a:schemeClr val="tx1"/>
+              </a:solidFill>
+            </a:ln>
           </p:spPr>
           <p:style>
             <a:lnRef idx="2">
@@ -5342,7 +5949,11 @@
             <a:lstStyle/>
             <a:p>
               <a:pPr algn="ctr"/>
-              <a:endParaRPr lang="ko-KR" altLang="en-US" sz="1400" dirty="0"/>
+              <a:endParaRPr lang="ko-KR" altLang="en-US" sz="1400" dirty="0">
+                <a:solidFill>
+                  <a:schemeClr val="tx1"/>
+                </a:solidFill>
+              </a:endParaRPr>
             </a:p>
           </p:txBody>
         </p:sp>
@@ -5366,6 +5977,12 @@
             <a:prstGeom prst="roundRect">
               <a:avLst/>
             </a:prstGeom>
+            <a:grpFill/>
+            <a:ln w="9525">
+              <a:solidFill>
+                <a:schemeClr val="tx1"/>
+              </a:solidFill>
+            </a:ln>
           </p:spPr>
           <p:style>
             <a:lnRef idx="2">
@@ -5388,7 +6005,11 @@
             <a:lstStyle/>
             <a:p>
               <a:pPr algn="ctr"/>
-              <a:endParaRPr lang="ko-KR" altLang="en-US" sz="1400" dirty="0"/>
+              <a:endParaRPr lang="ko-KR" altLang="en-US" sz="1400" dirty="0">
+                <a:solidFill>
+                  <a:schemeClr val="tx1"/>
+                </a:solidFill>
+              </a:endParaRPr>
             </a:p>
           </p:txBody>
         </p:sp>
@@ -5412,6 +6033,12 @@
             <a:prstGeom prst="roundRect">
               <a:avLst/>
             </a:prstGeom>
+            <a:grpFill/>
+            <a:ln w="9525">
+              <a:solidFill>
+                <a:schemeClr val="tx1"/>
+              </a:solidFill>
+            </a:ln>
           </p:spPr>
           <p:style>
             <a:lnRef idx="2">
@@ -5435,10 +6062,18 @@
             <a:p>
               <a:pPr algn="ctr"/>
               <a:r>
-                <a:rPr lang="en-US" altLang="ko-KR" sz="1400" dirty="0"/>
+                <a:rPr lang="en-US" altLang="ko-KR" sz="1400" dirty="0">
+                  <a:solidFill>
+                    <a:schemeClr val="tx1"/>
+                  </a:solidFill>
+                </a:rPr>
                 <a:t>Collection</a:t>
               </a:r>
-              <a:endParaRPr lang="ko-KR" altLang="en-US" sz="1400" dirty="0"/>
+              <a:endParaRPr lang="ko-KR" altLang="en-US" sz="1400" dirty="0">
+                <a:solidFill>
+                  <a:schemeClr val="tx1"/>
+                </a:solidFill>
+              </a:endParaRPr>
             </a:p>
           </p:txBody>
         </p:sp>
@@ -5463,6 +6098,14 @@
           <a:prstGeom prst="roundRect">
             <a:avLst/>
           </a:prstGeom>
+          <a:solidFill>
+            <a:schemeClr val="bg1"/>
+          </a:solidFill>
+          <a:ln w="9525">
+            <a:solidFill>
+              <a:schemeClr val="tx1"/>
+            </a:solidFill>
+          </a:ln>
         </p:spPr>
         <p:style>
           <a:lnRef idx="2">
@@ -5486,10 +6129,18 @@
           <a:p>
             <a:pPr algn="ctr"/>
             <a:r>
-              <a:rPr lang="en-US" altLang="ko-KR" sz="1400" dirty="0"/>
+              <a:rPr lang="en-US" altLang="ko-KR" sz="1400" dirty="0">
+                <a:solidFill>
+                  <a:schemeClr val="tx1"/>
+                </a:solidFill>
+              </a:rPr>
               <a:t>Blog</a:t>
             </a:r>
-            <a:endParaRPr lang="ko-KR" altLang="en-US" sz="1400" dirty="0"/>
+            <a:endParaRPr lang="ko-KR" altLang="en-US" sz="1400" dirty="0">
+              <a:solidFill>
+                <a:schemeClr val="tx1"/>
+              </a:solidFill>
+            </a:endParaRPr>
           </a:p>
         </p:txBody>
       </p:sp>
@@ -5513,6 +6164,14 @@
           <a:prstGeom prst="roundRect">
             <a:avLst/>
           </a:prstGeom>
+          <a:solidFill>
+            <a:schemeClr val="bg1"/>
+          </a:solidFill>
+          <a:ln w="9525">
+            <a:solidFill>
+              <a:schemeClr val="tx1"/>
+            </a:solidFill>
+          </a:ln>
         </p:spPr>
         <p:style>
           <a:lnRef idx="2">
@@ -5536,10 +6195,18 @@
           <a:p>
             <a:pPr algn="ctr"/>
             <a:r>
-              <a:rPr lang="en-US" altLang="ko-KR" sz="1400" dirty="0"/>
+              <a:rPr lang="en-US" altLang="ko-KR" sz="1400" dirty="0">
+                <a:solidFill>
+                  <a:schemeClr val="tx1"/>
+                </a:solidFill>
+              </a:rPr>
               <a:t>Articles</a:t>
             </a:r>
-            <a:endParaRPr lang="ko-KR" altLang="en-US" sz="1400" dirty="0"/>
+            <a:endParaRPr lang="ko-KR" altLang="en-US" sz="1400" dirty="0">
+              <a:solidFill>
+                <a:schemeClr val="tx1"/>
+              </a:solidFill>
+            </a:endParaRPr>
           </a:p>
         </p:txBody>
       </p:sp>
